--- a/day 1/SAC_Training Day 1.pptx
+++ b/day 1/SAC_Training Day 1.pptx
@@ -576,7 +576,7 @@
           <a:p>
             <a:fld id="{4AF2A06D-4991-4208-8C88-4E8BAD69A8B8}" type="datetimeFigureOut">
               <a:rPr lang="en-US" smtClean="0"/>
-              <a:t>11/15/2021</a:t>
+              <a:t>1/9/2022</a:t>
             </a:fld>
             <a:endParaRPr lang="en-US"/>
           </a:p>
@@ -1200,7 +1200,7 @@
           <a:p>
             <a:fld id="{E26E0DA5-0C76-4851-AA82-0B75261F9EB4}" type="datetimeFigureOut">
               <a:rPr lang="en-US" smtClean="0"/>
-              <a:t>11/15/2021</a:t>
+              <a:t>1/9/2022</a:t>
             </a:fld>
             <a:endParaRPr lang="en-US"/>
           </a:p>
@@ -1368,7 +1368,7 @@
           <a:p>
             <a:fld id="{E26E0DA5-0C76-4851-AA82-0B75261F9EB4}" type="datetimeFigureOut">
               <a:rPr lang="en-US" smtClean="0"/>
-              <a:t>11/15/2021</a:t>
+              <a:t>1/9/2022</a:t>
             </a:fld>
             <a:endParaRPr lang="en-US"/>
           </a:p>
@@ -1546,7 +1546,7 @@
           <a:p>
             <a:fld id="{E26E0DA5-0C76-4851-AA82-0B75261F9EB4}" type="datetimeFigureOut">
               <a:rPr lang="en-US" smtClean="0"/>
-              <a:t>11/15/2021</a:t>
+              <a:t>1/9/2022</a:t>
             </a:fld>
             <a:endParaRPr lang="en-US"/>
           </a:p>
@@ -1873,7 +1873,7 @@
             <a:fld id="{9578D6DB-6798-42D2-B9AD-FC6F1C72FC30}" type="datetimeFigureOut">
               <a:rPr lang="en-US" smtClean="0"/>
               <a:pPr/>
-              <a:t>11/15/2021</a:t>
+              <a:t>1/9/2022</a:t>
             </a:fld>
             <a:endParaRPr lang="en-US"/>
           </a:p>
@@ -2115,7 +2115,7 @@
             <a:fld id="{425404F2-BE9A-4460-8815-8F645183555F}" type="datetimeFigureOut">
               <a:rPr lang="en-US" smtClean="0"/>
               <a:pPr/>
-              <a:t>11/15/2021</a:t>
+              <a:t>1/9/2022</a:t>
             </a:fld>
             <a:endParaRPr lang="en-US"/>
           </a:p>
@@ -2243,7 +2243,7 @@
             <a:fld id="{425404F2-BE9A-4460-8815-8F645183555F}" type="datetimeFigureOut">
               <a:rPr lang="en-US" smtClean="0"/>
               <a:pPr/>
-              <a:t>11/15/2021</a:t>
+              <a:t>1/9/2022</a:t>
             </a:fld>
             <a:endParaRPr lang="en-US"/>
           </a:p>
@@ -2493,7 +2493,7 @@
             <a:fld id="{425404F2-BE9A-4460-8815-8F645183555F}" type="datetimeFigureOut">
               <a:rPr lang="en-US" smtClean="0"/>
               <a:pPr/>
-              <a:t>11/15/2021</a:t>
+              <a:t>1/9/2022</a:t>
             </a:fld>
             <a:endParaRPr lang="en-US"/>
           </a:p>
@@ -2663,7 +2663,7 @@
             <a:fld id="{425404F2-BE9A-4460-8815-8F645183555F}" type="datetimeFigureOut">
               <a:rPr lang="en-US" smtClean="0"/>
               <a:pPr/>
-              <a:t>11/15/2021</a:t>
+              <a:t>1/9/2022</a:t>
             </a:fld>
             <a:endParaRPr lang="en-US"/>
           </a:p>
@@ -2950,7 +2950,7 @@
             <a:fld id="{425404F2-BE9A-4460-8815-8F645183555F}" type="datetimeFigureOut">
               <a:rPr lang="en-US" smtClean="0"/>
               <a:pPr/>
-              <a:t>11/15/2021</a:t>
+              <a:t>1/9/2022</a:t>
             </a:fld>
             <a:endParaRPr lang="en-US"/>
           </a:p>
@@ -3371,7 +3371,7 @@
             <a:fld id="{425404F2-BE9A-4460-8815-8F645183555F}" type="datetimeFigureOut">
               <a:rPr lang="en-US" smtClean="0"/>
               <a:pPr/>
-              <a:t>11/15/2021</a:t>
+              <a:t>1/9/2022</a:t>
             </a:fld>
             <a:endParaRPr lang="en-US"/>
           </a:p>
@@ -3496,7 +3496,7 @@
             <a:fld id="{425404F2-BE9A-4460-8815-8F645183555F}" type="datetimeFigureOut">
               <a:rPr lang="en-US" smtClean="0"/>
               <a:pPr/>
-              <a:t>11/15/2021</a:t>
+              <a:t>1/9/2022</a:t>
             </a:fld>
             <a:endParaRPr lang="en-US"/>
           </a:p>
@@ -3722,7 +3722,7 @@
           <a:p>
             <a:fld id="{E26E0DA5-0C76-4851-AA82-0B75261F9EB4}" type="datetimeFigureOut">
               <a:rPr lang="en-US" smtClean="0"/>
-              <a:t>11/15/2021</a:t>
+              <a:t>1/9/2022</a:t>
             </a:fld>
             <a:endParaRPr lang="en-US"/>
           </a:p>
@@ -3846,7 +3846,7 @@
             <a:fld id="{425404F2-BE9A-4460-8815-8F645183555F}" type="datetimeFigureOut">
               <a:rPr lang="en-US" smtClean="0"/>
               <a:pPr/>
-              <a:t>11/15/2021</a:t>
+              <a:t>1/9/2022</a:t>
             </a:fld>
             <a:endParaRPr lang="en-US"/>
           </a:p>
@@ -4393,7 +4393,7 @@
             <a:fld id="{425404F2-BE9A-4460-8815-8F645183555F}" type="datetimeFigureOut">
               <a:rPr lang="en-US" smtClean="0"/>
               <a:pPr/>
-              <a:t>11/15/2021</a:t>
+              <a:t>1/9/2022</a:t>
             </a:fld>
             <a:endParaRPr lang="en-US"/>
           </a:p>
@@ -4541,7 +4541,7 @@
             <a:fld id="{425404F2-BE9A-4460-8815-8F645183555F}" type="datetimeFigureOut">
               <a:rPr lang="en-US" smtClean="0"/>
               <a:pPr/>
-              <a:t>11/15/2021</a:t>
+              <a:t>1/9/2022</a:t>
             </a:fld>
             <a:endParaRPr lang="en-US"/>
           </a:p>
@@ -4774,7 +4774,7 @@
             <a:fld id="{425404F2-BE9A-4460-8815-8F645183555F}" type="datetimeFigureOut">
               <a:rPr lang="en-US" smtClean="0"/>
               <a:pPr/>
-              <a:t>11/15/2021</a:t>
+              <a:t>1/9/2022</a:t>
             </a:fld>
             <a:endParaRPr lang="en-US"/>
           </a:p>
@@ -5012,7 +5012,7 @@
             <a:fld id="{425404F2-BE9A-4460-8815-8F645183555F}" type="datetimeFigureOut">
               <a:rPr lang="en-US" smtClean="0"/>
               <a:pPr/>
-              <a:t>11/15/2021</a:t>
+              <a:t>1/9/2022</a:t>
             </a:fld>
             <a:endParaRPr lang="en-US"/>
           </a:p>
@@ -5194,7 +5194,7 @@
             <a:fld id="{425404F2-BE9A-4460-8815-8F645183555F}" type="datetimeFigureOut">
               <a:rPr lang="en-US" smtClean="0"/>
               <a:pPr/>
-              <a:t>11/15/2021</a:t>
+              <a:t>1/9/2022</a:t>
             </a:fld>
             <a:endParaRPr lang="en-US"/>
           </a:p>
@@ -5471,7 +5471,7 @@
             <a:fld id="{425404F2-BE9A-4460-8815-8F645183555F}" type="datetimeFigureOut">
               <a:rPr lang="en-US" smtClean="0"/>
               <a:pPr/>
-              <a:t>11/15/2021</a:t>
+              <a:t>1/9/2022</a:t>
             </a:fld>
             <a:endParaRPr lang="en-US"/>
           </a:p>
@@ -5725,7 +5725,7 @@
             <a:fld id="{425404F2-BE9A-4460-8815-8F645183555F}" type="datetimeFigureOut">
               <a:rPr lang="en-US" smtClean="0"/>
               <a:pPr/>
-              <a:t>11/15/2021</a:t>
+              <a:t>1/9/2022</a:t>
             </a:fld>
             <a:endParaRPr lang="en-US"/>
           </a:p>
@@ -5895,7 +5895,7 @@
             <a:fld id="{425404F2-BE9A-4460-8815-8F645183555F}" type="datetimeFigureOut">
               <a:rPr lang="en-US" smtClean="0"/>
               <a:pPr/>
-              <a:t>11/15/2021</a:t>
+              <a:t>1/9/2022</a:t>
             </a:fld>
             <a:endParaRPr lang="en-US"/>
           </a:p>
@@ -6075,7 +6075,7 @@
             <a:fld id="{425404F2-BE9A-4460-8815-8F645183555F}" type="datetimeFigureOut">
               <a:rPr lang="en-US" smtClean="0"/>
               <a:pPr/>
-              <a:t>11/15/2021</a:t>
+              <a:t>1/9/2022</a:t>
             </a:fld>
             <a:endParaRPr lang="en-US"/>
           </a:p>
@@ -6321,7 +6321,7 @@
           <a:p>
             <a:fld id="{E26E0DA5-0C76-4851-AA82-0B75261F9EB4}" type="datetimeFigureOut">
               <a:rPr lang="en-US" smtClean="0"/>
-              <a:t>11/15/2021</a:t>
+              <a:t>1/9/2022</a:t>
             </a:fld>
             <a:endParaRPr lang="en-US"/>
           </a:p>
@@ -6550,7 +6550,7 @@
           <a:p>
             <a:fld id="{E26E0DA5-0C76-4851-AA82-0B75261F9EB4}" type="datetimeFigureOut">
               <a:rPr lang="en-US" smtClean="0"/>
-              <a:t>11/15/2021</a:t>
+              <a:t>1/9/2022</a:t>
             </a:fld>
             <a:endParaRPr lang="en-US"/>
           </a:p>
@@ -6914,7 +6914,7 @@
           <a:p>
             <a:fld id="{E26E0DA5-0C76-4851-AA82-0B75261F9EB4}" type="datetimeFigureOut">
               <a:rPr lang="en-US" smtClean="0"/>
-              <a:t>11/15/2021</a:t>
+              <a:t>1/9/2022</a:t>
             </a:fld>
             <a:endParaRPr lang="en-US"/>
           </a:p>
@@ -7031,7 +7031,7 @@
           <a:p>
             <a:fld id="{E26E0DA5-0C76-4851-AA82-0B75261F9EB4}" type="datetimeFigureOut">
               <a:rPr lang="en-US" smtClean="0"/>
-              <a:t>11/15/2021</a:t>
+              <a:t>1/9/2022</a:t>
             </a:fld>
             <a:endParaRPr lang="en-US"/>
           </a:p>
@@ -7126,7 +7126,7 @@
           <a:p>
             <a:fld id="{E26E0DA5-0C76-4851-AA82-0B75261F9EB4}" type="datetimeFigureOut">
               <a:rPr lang="en-US" smtClean="0"/>
-              <a:t>11/15/2021</a:t>
+              <a:t>1/9/2022</a:t>
             </a:fld>
             <a:endParaRPr lang="en-US"/>
           </a:p>
@@ -7401,7 +7401,7 @@
           <a:p>
             <a:fld id="{E26E0DA5-0C76-4851-AA82-0B75261F9EB4}" type="datetimeFigureOut">
               <a:rPr lang="en-US" smtClean="0"/>
-              <a:t>11/15/2021</a:t>
+              <a:t>1/9/2022</a:t>
             </a:fld>
             <a:endParaRPr lang="en-US"/>
           </a:p>
@@ -7653,7 +7653,7 @@
           <a:p>
             <a:fld id="{E26E0DA5-0C76-4851-AA82-0B75261F9EB4}" type="datetimeFigureOut">
               <a:rPr lang="en-US" smtClean="0"/>
-              <a:t>11/15/2021</a:t>
+              <a:t>1/9/2022</a:t>
             </a:fld>
             <a:endParaRPr lang="en-US"/>
           </a:p>
@@ -7864,7 +7864,7 @@
           <a:p>
             <a:fld id="{E26E0DA5-0C76-4851-AA82-0B75261F9EB4}" type="datetimeFigureOut">
               <a:rPr lang="en-US" smtClean="0"/>
-              <a:t>11/15/2021</a:t>
+              <a:t>1/9/2022</a:t>
             </a:fld>
             <a:endParaRPr lang="en-US"/>
           </a:p>
@@ -8421,7 +8421,7 @@
             <a:fld id="{425404F2-BE9A-4460-8815-8F645183555F}" type="datetimeFigureOut">
               <a:rPr lang="en-US" smtClean="0"/>
               <a:pPr/>
-              <a:t>11/15/2021</a:t>
+              <a:t>1/9/2022</a:t>
             </a:fld>
             <a:endParaRPr lang="en-US"/>
           </a:p>
@@ -8982,7 +8982,7 @@
         <p:spPr>
           <a:xfrm>
             <a:off x="187367" y="2062424"/>
-            <a:ext cx="6629399" cy="1754326"/>
+            <a:ext cx="6629399" cy="1200329"/>
           </a:xfrm>
           <a:prstGeom prst="rect">
             <a:avLst/>
@@ -8996,23 +8996,26 @@
           <a:lstStyle/>
           <a:p>
             <a:r>
-              <a:rPr lang="en-US" sz="3600" spc="-150" dirty="0">
+              <a:rPr lang="en-US" sz="3600" spc="-150">
                 <a:solidFill>
                   <a:schemeClr val="bg1"/>
                 </a:solidFill>
               </a:rPr>
-              <a:t>Anubhav Oberoy</a:t>
-            </a:r>
-          </a:p>
-          <a:p>
-            <a:r>
-              <a:rPr lang="en-US" sz="3600" spc="-150" dirty="0">
+              <a:t>Anubhav </a:t>
+            </a:r>
+            <a:r>
+              <a:rPr lang="en-US" sz="3600" spc="-150" smtClean="0">
                 <a:solidFill>
                   <a:schemeClr val="bg1"/>
                 </a:solidFill>
               </a:rPr>
-              <a:t>Shubham Singh</a:t>
-            </a:r>
+              <a:t>Oberoy</a:t>
+            </a:r>
+            <a:endParaRPr lang="en-US" sz="3600" spc="-150" dirty="0">
+              <a:solidFill>
+                <a:schemeClr val="bg1"/>
+              </a:solidFill>
+            </a:endParaRPr>
           </a:p>
           <a:p>
             <a:r>
@@ -19298,6 +19301,15 @@
               </a:buClr>
               <a:defRPr/>
             </a:pPr>
+            <a:r>
+              <a:rPr lang="en-US" sz="1000" kern="0" dirty="0">
+                <a:solidFill>
+                  <a:srgbClr val="FFFFFF"/>
+                </a:solidFill>
+                <a:latin typeface="Calibri"/>
+              </a:rPr>
+              <a:t/>
+            </a:r>
             <a:br>
               <a:rPr lang="en-US" sz="1000" kern="0" dirty="0">
                 <a:solidFill>
@@ -23944,6 +23956,17 @@
             <a:pPr>
               <a:defRPr/>
             </a:pPr>
+            <a:r>
+              <a:rPr lang="en-IE" sz="2350" dirty="0">
+                <a:solidFill>
+                  <a:prstClr val="black"/>
+                </a:solidFill>
+                <a:latin typeface="Calibri"/>
+                <a:ea typeface="+mj-lt"/>
+                <a:cs typeface="Calibri"/>
+              </a:rPr>
+              <a:t/>
+            </a:r>
             <a:br>
               <a:rPr lang="en-IE" sz="2350" dirty="0">
                 <a:solidFill>
@@ -24236,6 +24259,17 @@
                 <a:latin typeface="Calibri"/>
               </a:rPr>
               <a:t>65 Packages</a:t>
+            </a:r>
+            <a:r>
+              <a:rPr lang="en-US" sz="1750" b="1">
+                <a:solidFill>
+                  <a:prstClr val="black"/>
+                </a:solidFill>
+                <a:latin typeface="Calibri"/>
+                <a:ea typeface="+mn-lt"/>
+                <a:cs typeface="Calibri"/>
+              </a:rPr>
+              <a:t/>
             </a:r>
             <a:br>
               <a:rPr lang="en-US" sz="1750" b="1">
@@ -24353,6 +24387,17 @@
                 <a:latin typeface="Calibri"/>
               </a:rPr>
               <a:t>72 Packages</a:t>
+            </a:r>
+            <a:r>
+              <a:rPr lang="en-US" sz="1750" b="1">
+                <a:solidFill>
+                  <a:prstClr val="black"/>
+                </a:solidFill>
+                <a:latin typeface="Calibri"/>
+                <a:ea typeface="+mn-lt"/>
+                <a:cs typeface="Calibri"/>
+              </a:rPr>
+              <a:t/>
             </a:r>
             <a:br>
               <a:rPr lang="en-US" sz="1750" b="1">
@@ -32655,8 +32700,8 @@
           </p:pic>
         </mc:Fallback>
       </mc:AlternateContent>
-      <mc:AlternateContent xmlns:mc="http://schemas.openxmlformats.org/markup-compatibility/2006">
-        <mc:Choice xmlns:p14="http://schemas.microsoft.com/office/powerpoint/2010/main" Requires="p14">
+      <mc:AlternateContent xmlns:mc="http://schemas.openxmlformats.org/markup-compatibility/2006" xmlns:p14="http://schemas.microsoft.com/office/powerpoint/2010/main">
+        <mc:Choice Requires="p14">
           <p:contentPart p14:bwMode="auto" r:id="rId41">
             <p14:nvContentPartPr>
               <p14:cNvPr id="39" name="Ink 38">
@@ -32675,7 +32720,7 @@
             </p14:xfrm>
           </p:contentPart>
         </mc:Choice>
-        <mc:Fallback>
+        <mc:Fallback xmlns="">
           <p:pic>
             <p:nvPicPr>
               <p:cNvPr id="39" name="Ink 38">
@@ -32706,8 +32751,8 @@
           </p:pic>
         </mc:Fallback>
       </mc:AlternateContent>
-      <mc:AlternateContent xmlns:mc="http://schemas.openxmlformats.org/markup-compatibility/2006">
-        <mc:Choice xmlns:p14="http://schemas.microsoft.com/office/powerpoint/2010/main" Requires="p14">
+      <mc:AlternateContent xmlns:mc="http://schemas.openxmlformats.org/markup-compatibility/2006" xmlns:p14="http://schemas.microsoft.com/office/powerpoint/2010/main">
+        <mc:Choice Requires="p14">
           <p:contentPart p14:bwMode="auto" r:id="rId43">
             <p14:nvContentPartPr>
               <p14:cNvPr id="174" name="Ink 173">
@@ -32726,7 +32771,7 @@
             </p14:xfrm>
           </p:contentPart>
         </mc:Choice>
-        <mc:Fallback>
+        <mc:Fallback xmlns="">
           <p:pic>
             <p:nvPicPr>
               <p:cNvPr id="174" name="Ink 173">
@@ -32757,8 +32802,8 @@
           </p:pic>
         </mc:Fallback>
       </mc:AlternateContent>
-      <mc:AlternateContent xmlns:mc="http://schemas.openxmlformats.org/markup-compatibility/2006">
-        <mc:Choice xmlns:p14="http://schemas.microsoft.com/office/powerpoint/2010/main" Requires="p14">
+      <mc:AlternateContent xmlns:mc="http://schemas.openxmlformats.org/markup-compatibility/2006" xmlns:p14="http://schemas.microsoft.com/office/powerpoint/2010/main">
+        <mc:Choice Requires="p14">
           <p:contentPart p14:bwMode="auto" r:id="rId45">
             <p14:nvContentPartPr>
               <p14:cNvPr id="220" name="Ink 219">
@@ -32777,7 +32822,7 @@
             </p14:xfrm>
           </p:contentPart>
         </mc:Choice>
-        <mc:Fallback>
+        <mc:Fallback xmlns="">
           <p:pic>
             <p:nvPicPr>
               <p:cNvPr id="220" name="Ink 219">
@@ -32808,8 +32853,8 @@
           </p:pic>
         </mc:Fallback>
       </mc:AlternateContent>
-      <mc:AlternateContent xmlns:mc="http://schemas.openxmlformats.org/markup-compatibility/2006">
-        <mc:Choice xmlns:p14="http://schemas.microsoft.com/office/powerpoint/2010/main" Requires="p14">
+      <mc:AlternateContent xmlns:mc="http://schemas.openxmlformats.org/markup-compatibility/2006" xmlns:p14="http://schemas.microsoft.com/office/powerpoint/2010/main">
+        <mc:Choice Requires="p14">
           <p:contentPart p14:bwMode="auto" r:id="rId47">
             <p14:nvContentPartPr>
               <p14:cNvPr id="235" name="Ink 234">
@@ -32828,7 +32873,7 @@
             </p14:xfrm>
           </p:contentPart>
         </mc:Choice>
-        <mc:Fallback>
+        <mc:Fallback xmlns="">
           <p:pic>
             <p:nvPicPr>
               <p:cNvPr id="235" name="Ink 234">
@@ -32859,8 +32904,8 @@
           </p:pic>
         </mc:Fallback>
       </mc:AlternateContent>
-      <mc:AlternateContent xmlns:mc="http://schemas.openxmlformats.org/markup-compatibility/2006">
-        <mc:Choice xmlns:p14="http://schemas.microsoft.com/office/powerpoint/2010/main" Requires="p14">
+      <mc:AlternateContent xmlns:mc="http://schemas.openxmlformats.org/markup-compatibility/2006" xmlns:p14="http://schemas.microsoft.com/office/powerpoint/2010/main">
+        <mc:Choice Requires="p14">
           <p:contentPart p14:bwMode="auto" r:id="rId49">
             <p14:nvContentPartPr>
               <p14:cNvPr id="277" name="Ink 276">
@@ -32879,7 +32924,7 @@
             </p14:xfrm>
           </p:contentPart>
         </mc:Choice>
-        <mc:Fallback>
+        <mc:Fallback xmlns="">
           <p:pic>
             <p:nvPicPr>
               <p:cNvPr id="277" name="Ink 276">
